--- a/posts/unit_testing_is_part_of_a_developers_job_description/images/Unit Testing Slide Deck.pptx
+++ b/posts/unit_testing_is_part_of_a_developers_job_description/images/Unit Testing Slide Deck.pptx
@@ -106,6 +106,11 @@
       </a:defRPr>
     </a:lvl9pPr>
   </p:defaultTextStyle>
+  <p:extLst>
+    <p:ext uri="{EFAFB233-063F-42B5-8137-9DF3F51BA10A}">
+      <p15:sldGuideLst xmlns:p15="http://schemas.microsoft.com/office/powerpoint/2012/main"/>
+    </p:ext>
+  </p:extLst>
 </p:presentation>
 </file>
 
@@ -6036,14 +6041,24 @@
           <a:lstStyle/>
           <a:p>
             <a:r>
-              <a:rPr lang="en-US" sz="2800" dirty="0">
+              <a:rPr lang="en-US" sz="3600" dirty="0">
                 <a:solidFill>
                   <a:schemeClr val="tx1">
                     <a:lumMod val="95000"/>
                   </a:schemeClr>
                 </a:solidFill>
               </a:rPr>
-              <a:t>Software developer job description</a:t>
+              <a:t>Software</a:t>
+            </a:r>
+            <a:r>
+              <a:rPr lang="en-US" sz="3200" dirty="0">
+                <a:solidFill>
+                  <a:schemeClr val="tx1">
+                    <a:lumMod val="95000"/>
+                  </a:schemeClr>
+                </a:solidFill>
+              </a:rPr>
+              <a:t> developer job description</a:t>
             </a:r>
           </a:p>
         </p:txBody>
@@ -6275,24 +6290,14 @@
           <a:lstStyle/>
           <a:p>
             <a:r>
-              <a:rPr lang="en-US" sz="2800" dirty="0">
+              <a:rPr lang="en-US" sz="3600" dirty="0">
                 <a:solidFill>
                   <a:schemeClr val="tx1">
                     <a:lumMod val="95000"/>
                   </a:schemeClr>
                 </a:solidFill>
               </a:rPr>
-              <a:t>Unit</a:t>
-            </a:r>
-            <a:r>
-              <a:rPr lang="en-US" sz="2400" dirty="0">
-                <a:solidFill>
-                  <a:schemeClr val="tx1">
-                    <a:lumMod val="95000"/>
-                  </a:schemeClr>
-                </a:solidFill>
-              </a:rPr>
-              <a:t> testing isn’t optional anymore</a:t>
+              <a:t>Unit testing isn’t optional anymore</a:t>
             </a:r>
           </a:p>
         </p:txBody>
@@ -6508,10 +6513,9 @@
           <a:lstStyle/>
           <a:p>
             <a:r>
-              <a:rPr lang="en-US" sz="2800" dirty="0"/>
+              <a:rPr lang="en-US" sz="3600" dirty="0"/>
               <a:t>Are you unit testing?</a:t>
             </a:r>
-            <a:endParaRPr lang="en-US" sz="2400" dirty="0"/>
           </a:p>
         </p:txBody>
       </p:sp>
